--- a/CaseStudy1/project_files/Budweiser Case Study_tuesday_draft.pptx
+++ b/CaseStudy1/project_files/Budweiser Case Study_tuesday_draft.pptx
@@ -5,7 +5,7 @@
     <p:sldMasterId id="2147483660" r:id="rId1"/>
   </p:sldMasterIdLst>
   <p:notesMasterIdLst>
-    <p:notesMasterId r:id="rId15"/>
+    <p:notesMasterId r:id="rId12"/>
   </p:notesMasterIdLst>
   <p:sldIdLst>
     <p:sldId id="256" r:id="rId2"/>
@@ -16,11 +16,8 @@
     <p:sldId id="261" r:id="rId7"/>
     <p:sldId id="264" r:id="rId8"/>
     <p:sldId id="266" r:id="rId9"/>
-    <p:sldId id="265" r:id="rId10"/>
-    <p:sldId id="268" r:id="rId11"/>
-    <p:sldId id="263" r:id="rId12"/>
-    <p:sldId id="262" r:id="rId13"/>
-    <p:sldId id="267" r:id="rId14"/>
+    <p:sldId id="268" r:id="rId10"/>
+    <p:sldId id="263" r:id="rId11"/>
   </p:sldIdLst>
   <p:sldSz cx="12192000" cy="6858000"/>
   <p:notesSz cx="6858000" cy="9144000"/>
@@ -2905,253 +2902,6 @@
           <p:cNvPr id="2" name="Title 1">
             <a:extLst>
               <a:ext uri="{FF2B5EF4-FFF2-40B4-BE49-F238E27FC236}">
-                <a16:creationId xmlns:a16="http://schemas.microsoft.com/office/drawing/2014/main" id="{1DBA575A-287A-4EDF-80D3-5608D8706944}"/>
-              </a:ext>
-            </a:extLst>
-          </p:cNvPr>
-          <p:cNvSpPr>
-            <a:spLocks noGrp="1"/>
-          </p:cNvSpPr>
-          <p:nvPr>
-            <p:ph type="title"/>
-          </p:nvPr>
-        </p:nvSpPr>
-        <p:spPr>
-          <a:xfrm>
-            <a:off x="264994" y="980877"/>
-            <a:ext cx="10515600" cy="482163"/>
-          </a:xfrm>
-        </p:spPr>
-        <p:txBody>
-          <a:bodyPr>
-            <a:normAutofit/>
-          </a:bodyPr>
-          <a:lstStyle/>
-          <a:p>
-            <a:r>
-              <a:rPr lang="en-US" sz="2000" dirty="0"/>
-              <a:t>State with Highest IBU</a:t>
-            </a:r>
-          </a:p>
-        </p:txBody>
-      </p:sp>
-      <p:sp>
-        <p:nvSpPr>
-          <p:cNvPr id="3" name="Content Placeholder 2">
-            <a:extLst>
-              <a:ext uri="{FF2B5EF4-FFF2-40B4-BE49-F238E27FC236}">
-                <a16:creationId xmlns:a16="http://schemas.microsoft.com/office/drawing/2014/main" id="{7932E3FA-3DF6-4EF4-A9F6-53B1CF568E24}"/>
-              </a:ext>
-            </a:extLst>
-          </p:cNvPr>
-          <p:cNvSpPr>
-            <a:spLocks noGrp="1"/>
-          </p:cNvSpPr>
-          <p:nvPr>
-            <p:ph idx="1"/>
-          </p:nvPr>
-        </p:nvSpPr>
-        <p:spPr>
-          <a:xfrm>
-            <a:off x="1005839" y="1463040"/>
-            <a:ext cx="9134447" cy="640080"/>
-          </a:xfrm>
-        </p:spPr>
-        <p:txBody>
-          <a:bodyPr>
-            <a:normAutofit/>
-          </a:bodyPr>
-          <a:lstStyle/>
-          <a:p>
-            <a:r>
-              <a:rPr lang="en-US" sz="1800" dirty="0"/>
-              <a:t>The Max observed IBU was 138 in Oregon for Bitter Bitch Imperial IPA that is an American Double/ Imperial IPA from the Astoria Brewing Company in </a:t>
-            </a:r>
-            <a:r>
-              <a:rPr lang="en-US" sz="1800" dirty="0" err="1"/>
-              <a:t>Austoria</a:t>
-            </a:r>
-            <a:r>
-              <a:rPr lang="en-US" sz="1800" dirty="0"/>
-              <a:t>, OR.</a:t>
-            </a:r>
-          </a:p>
-          <a:p>
-            <a:endParaRPr lang="en-US" sz="1800" dirty="0"/>
-          </a:p>
-        </p:txBody>
-      </p:sp>
-      <p:sp>
-        <p:nvSpPr>
-          <p:cNvPr id="4" name="Footer Placeholder 3">
-            <a:extLst>
-              <a:ext uri="{FF2B5EF4-FFF2-40B4-BE49-F238E27FC236}">
-                <a16:creationId xmlns:a16="http://schemas.microsoft.com/office/drawing/2014/main" id="{3F38C305-0558-4511-85F3-36D48E727AD9}"/>
-              </a:ext>
-            </a:extLst>
-          </p:cNvPr>
-          <p:cNvSpPr>
-            <a:spLocks noGrp="1"/>
-          </p:cNvSpPr>
-          <p:nvPr>
-            <p:ph type="ftr" sz="quarter" idx="11"/>
-          </p:nvPr>
-        </p:nvSpPr>
-        <p:spPr/>
-        <p:txBody>
-          <a:bodyPr/>
-          <a:lstStyle/>
-          <a:p>
-            <a:r>
-              <a:rPr lang="en-US"/>
-              <a:t>Ben Goodwin &amp; Justin Ehly, MS6306, Tuesday 630p</a:t>
-            </a:r>
-            <a:endParaRPr lang="en-US" dirty="0"/>
-          </a:p>
-        </p:txBody>
-      </p:sp>
-      <p:sp>
-        <p:nvSpPr>
-          <p:cNvPr id="6" name="Rectangle 5">
-            <a:extLst>
-              <a:ext uri="{FF2B5EF4-FFF2-40B4-BE49-F238E27FC236}">
-                <a16:creationId xmlns:a16="http://schemas.microsoft.com/office/drawing/2014/main" id="{C664061E-6175-4445-8025-E62A8E0B3B41}"/>
-              </a:ext>
-            </a:extLst>
-          </p:cNvPr>
-          <p:cNvSpPr/>
-          <p:nvPr/>
-        </p:nvSpPr>
-        <p:spPr>
-          <a:xfrm>
-            <a:off x="264994" y="2585283"/>
-            <a:ext cx="2400016" cy="369332"/>
-          </a:xfrm>
-          <a:prstGeom prst="rect">
-            <a:avLst/>
-          </a:prstGeom>
-        </p:spPr>
-        <p:txBody>
-          <a:bodyPr wrap="none">
-            <a:spAutoFit/>
-          </a:bodyPr>
-          <a:lstStyle/>
-          <a:p>
-            <a:r>
-              <a:rPr lang="en-US" dirty="0">
-                <a:solidFill>
-                  <a:srgbClr val="C8102E"/>
-                </a:solidFill>
-              </a:rPr>
-              <a:t>States with highest ABV</a:t>
-            </a:r>
-          </a:p>
-        </p:txBody>
-      </p:sp>
-      <p:sp>
-        <p:nvSpPr>
-          <p:cNvPr id="7" name="Rectangle 6">
-            <a:extLst>
-              <a:ext uri="{FF2B5EF4-FFF2-40B4-BE49-F238E27FC236}">
-                <a16:creationId xmlns:a16="http://schemas.microsoft.com/office/drawing/2014/main" id="{663874DC-8D6D-5844-BB8E-D2411EA51201}"/>
-              </a:ext>
-            </a:extLst>
-          </p:cNvPr>
-          <p:cNvSpPr/>
-          <p:nvPr/>
-        </p:nvSpPr>
-        <p:spPr>
-          <a:xfrm>
-            <a:off x="1005840" y="3225363"/>
-            <a:ext cx="9257276" cy="923330"/>
-          </a:xfrm>
-          <a:prstGeom prst="rect">
-            <a:avLst/>
-          </a:prstGeom>
-        </p:spPr>
-        <p:txBody>
-          <a:bodyPr wrap="square">
-            <a:spAutoFit/>
-          </a:bodyPr>
-          <a:lstStyle/>
-          <a:p>
-            <a:pPr marL="285750" indent="-285750">
-              <a:buFont typeface="Arial" panose="020B0604020202020204" pitchFamily="34" charset="0"/>
-              <a:buChar char="•"/>
-            </a:pPr>
-            <a:r>
-              <a:rPr lang="en-US" dirty="0">
-                <a:solidFill>
-                  <a:srgbClr val="C8102E"/>
-                </a:solidFill>
-              </a:rPr>
-              <a:t>The Max observed ABV was 12.8 % in Colorado for Lee Hill Series Vol. 5 – Belgian Style </a:t>
-            </a:r>
-            <a:r>
-              <a:rPr lang="en-US" dirty="0" err="1">
-                <a:solidFill>
-                  <a:srgbClr val="C8102E"/>
-                </a:solidFill>
-              </a:rPr>
-              <a:t>Quadrupel</a:t>
-            </a:r>
-            <a:r>
-              <a:rPr lang="en-US" dirty="0">
-                <a:solidFill>
-                  <a:srgbClr val="C8102E"/>
-                </a:solidFill>
-              </a:rPr>
-              <a:t> Ale from Upslope Brewing Company in Boulder, CO.</a:t>
-            </a:r>
-          </a:p>
-          <a:p>
-            <a:pPr marL="285750" indent="-285750">
-              <a:buFont typeface="Arial" panose="020B0604020202020204" pitchFamily="34" charset="0"/>
-              <a:buChar char="•"/>
-            </a:pPr>
-            <a:endParaRPr lang="en-US" dirty="0">
-              <a:solidFill>
-                <a:srgbClr val="C8102E"/>
-              </a:solidFill>
-            </a:endParaRPr>
-          </a:p>
-        </p:txBody>
-      </p:sp>
-    </p:spTree>
-    <p:extLst>
-      <p:ext uri="{BB962C8B-B14F-4D97-AF65-F5344CB8AC3E}">
-        <p14:creationId xmlns:p14="http://schemas.microsoft.com/office/powerpoint/2010/main" val="601634428"/>
-      </p:ext>
-    </p:extLst>
-  </p:cSld>
-  <p:clrMapOvr>
-    <a:masterClrMapping/>
-  </p:clrMapOvr>
-</p:sld>
-</file>
-
-<file path=ppt/slides/slide11.xml><?xml version="1.0" encoding="utf-8"?>
-<p:sld xmlns:a="http://schemas.openxmlformats.org/drawingml/2006/main" xmlns:r="http://schemas.openxmlformats.org/officeDocument/2006/relationships" xmlns:p="http://schemas.openxmlformats.org/presentationml/2006/main">
-  <p:cSld>
-    <p:spTree>
-      <p:nvGrpSpPr>
-        <p:cNvPr id="1" name=""/>
-        <p:cNvGrpSpPr/>
-        <p:nvPr/>
-      </p:nvGrpSpPr>
-      <p:grpSpPr>
-        <a:xfrm>
-          <a:off x="0" y="0"/>
-          <a:ext cx="0" cy="0"/>
-          <a:chOff x="0" y="0"/>
-          <a:chExt cx="0" cy="0"/>
-        </a:xfrm>
-      </p:grpSpPr>
-      <p:sp>
-        <p:nvSpPr>
-          <p:cNvPr id="2" name="Title 1">
-            <a:extLst>
-              <a:ext uri="{FF2B5EF4-FFF2-40B4-BE49-F238E27FC236}">
                 <a16:creationId xmlns:a16="http://schemas.microsoft.com/office/drawing/2014/main" id="{F35037D7-923F-4E41-8EF1-D34491C7346E}"/>
               </a:ext>
             </a:extLst>
@@ -4193,295 +3943,6 @@
     <p:extLst>
       <p:ext uri="{BB962C8B-B14F-4D97-AF65-F5344CB8AC3E}">
         <p14:creationId xmlns:p14="http://schemas.microsoft.com/office/powerpoint/2010/main" val="3521789145"/>
-      </p:ext>
-    </p:extLst>
-  </p:cSld>
-  <p:clrMapOvr>
-    <a:masterClrMapping/>
-  </p:clrMapOvr>
-</p:sld>
-</file>
-
-<file path=ppt/slides/slide12.xml><?xml version="1.0" encoding="utf-8"?>
-<p:sld xmlns:a="http://schemas.openxmlformats.org/drawingml/2006/main" xmlns:r="http://schemas.openxmlformats.org/officeDocument/2006/relationships" xmlns:p="http://schemas.openxmlformats.org/presentationml/2006/main">
-  <p:cSld>
-    <p:spTree>
-      <p:nvGrpSpPr>
-        <p:cNvPr id="1" name=""/>
-        <p:cNvGrpSpPr/>
-        <p:nvPr/>
-      </p:nvGrpSpPr>
-      <p:grpSpPr>
-        <a:xfrm>
-          <a:off x="0" y="0"/>
-          <a:ext cx="0" cy="0"/>
-          <a:chOff x="0" y="0"/>
-          <a:chExt cx="0" cy="0"/>
-        </a:xfrm>
-      </p:grpSpPr>
-      <p:sp>
-        <p:nvSpPr>
-          <p:cNvPr id="2" name="Title 1">
-            <a:extLst>
-              <a:ext uri="{FF2B5EF4-FFF2-40B4-BE49-F238E27FC236}">
-                <a16:creationId xmlns:a16="http://schemas.microsoft.com/office/drawing/2014/main" id="{A9FFD0E9-939E-445C-9B0B-5184A49212B1}"/>
-              </a:ext>
-            </a:extLst>
-          </p:cNvPr>
-          <p:cNvSpPr>
-            <a:spLocks noGrp="1"/>
-          </p:cNvSpPr>
-          <p:nvPr>
-            <p:ph type="title"/>
-          </p:nvPr>
-        </p:nvSpPr>
-        <p:spPr/>
-        <p:txBody>
-          <a:bodyPr/>
-          <a:lstStyle/>
-          <a:p>
-            <a:r>
-              <a:rPr lang="en-US" dirty="0"/>
-              <a:t>Summary Statistics of ABV</a:t>
-            </a:r>
-          </a:p>
-        </p:txBody>
-      </p:sp>
-      <p:sp>
-        <p:nvSpPr>
-          <p:cNvPr id="4" name="Footer Placeholder 3">
-            <a:extLst>
-              <a:ext uri="{FF2B5EF4-FFF2-40B4-BE49-F238E27FC236}">
-                <a16:creationId xmlns:a16="http://schemas.microsoft.com/office/drawing/2014/main" id="{C5728F58-107B-4514-8A09-5490F30DCF31}"/>
-              </a:ext>
-            </a:extLst>
-          </p:cNvPr>
-          <p:cNvSpPr>
-            <a:spLocks noGrp="1"/>
-          </p:cNvSpPr>
-          <p:nvPr>
-            <p:ph type="ftr" sz="quarter" idx="11"/>
-          </p:nvPr>
-        </p:nvSpPr>
-        <p:spPr/>
-        <p:txBody>
-          <a:bodyPr/>
-          <a:lstStyle/>
-          <a:p>
-            <a:r>
-              <a:rPr lang="en-US"/>
-              <a:t>Ben Goodwin &amp; Justin Ehly, MS6306, Tuesday 630p</a:t>
-            </a:r>
-            <a:endParaRPr lang="en-US" dirty="0"/>
-          </a:p>
-        </p:txBody>
-      </p:sp>
-      <p:pic>
-        <p:nvPicPr>
-          <p:cNvPr id="5" name="Picture 4">
-            <a:extLst>
-              <a:ext uri="{FF2B5EF4-FFF2-40B4-BE49-F238E27FC236}">
-                <a16:creationId xmlns:a16="http://schemas.microsoft.com/office/drawing/2014/main" id="{86FEB0A4-8033-4286-BC49-7A31FD74180E}"/>
-              </a:ext>
-            </a:extLst>
-          </p:cNvPr>
-          <p:cNvPicPr>
-            <a:picLocks noChangeAspect="1"/>
-          </p:cNvPicPr>
-          <p:nvPr/>
-        </p:nvPicPr>
-        <p:blipFill>
-          <a:blip r:embed="rId2">
-            <a:clrChange>
-              <a:clrFrom>
-                <a:srgbClr val="FFFFFF"/>
-              </a:clrFrom>
-              <a:clrTo>
-                <a:srgbClr val="FFFFFF">
-                  <a:alpha val="0"/>
-                </a:srgbClr>
-              </a:clrTo>
-            </a:clrChange>
-          </a:blip>
-          <a:stretch>
-            <a:fillRect/>
-          </a:stretch>
-        </p:blipFill>
-        <p:spPr>
-          <a:xfrm>
-            <a:off x="0" y="872183"/>
-            <a:ext cx="12192000" cy="5225143"/>
-          </a:xfrm>
-          <a:prstGeom prst="rect">
-            <a:avLst/>
-          </a:prstGeom>
-        </p:spPr>
-      </p:pic>
-    </p:spTree>
-    <p:extLst>
-      <p:ext uri="{BB962C8B-B14F-4D97-AF65-F5344CB8AC3E}">
-        <p14:creationId xmlns:p14="http://schemas.microsoft.com/office/powerpoint/2010/main" val="3986887979"/>
-      </p:ext>
-    </p:extLst>
-  </p:cSld>
-  <p:clrMapOvr>
-    <a:masterClrMapping/>
-  </p:clrMapOvr>
-</p:sld>
-</file>
-
-<file path=ppt/slides/slide13.xml><?xml version="1.0" encoding="utf-8"?>
-<p:sld xmlns:a="http://schemas.openxmlformats.org/drawingml/2006/main" xmlns:r="http://schemas.openxmlformats.org/officeDocument/2006/relationships" xmlns:p="http://schemas.openxmlformats.org/presentationml/2006/main">
-  <p:cSld>
-    <p:spTree>
-      <p:nvGrpSpPr>
-        <p:cNvPr id="1" name=""/>
-        <p:cNvGrpSpPr/>
-        <p:nvPr/>
-      </p:nvGrpSpPr>
-      <p:grpSpPr>
-        <a:xfrm>
-          <a:off x="0" y="0"/>
-          <a:ext cx="0" cy="0"/>
-          <a:chOff x="0" y="0"/>
-          <a:chExt cx="0" cy="0"/>
-        </a:xfrm>
-      </p:grpSpPr>
-      <p:pic>
-        <p:nvPicPr>
-          <p:cNvPr id="6" name="Picture 5">
-            <a:extLst>
-              <a:ext uri="{FF2B5EF4-FFF2-40B4-BE49-F238E27FC236}">
-                <a16:creationId xmlns:a16="http://schemas.microsoft.com/office/drawing/2014/main" id="{5016A620-4637-4E30-AF1F-8FC9F0B89DF6}"/>
-              </a:ext>
-            </a:extLst>
-          </p:cNvPr>
-          <p:cNvPicPr>
-            <a:picLocks noChangeAspect="1"/>
-          </p:cNvPicPr>
-          <p:nvPr/>
-        </p:nvPicPr>
-        <p:blipFill>
-          <a:blip r:embed="rId2">
-            <a:clrChange>
-              <a:clrFrom>
-                <a:srgbClr val="FFFFFF"/>
-              </a:clrFrom>
-              <a:clrTo>
-                <a:srgbClr val="FFFFFF">
-                  <a:alpha val="0"/>
-                </a:srgbClr>
-              </a:clrTo>
-            </a:clrChange>
-          </a:blip>
-          <a:stretch>
-            <a:fillRect/>
-          </a:stretch>
-        </p:blipFill>
-        <p:spPr>
-          <a:xfrm>
-            <a:off x="0" y="905636"/>
-            <a:ext cx="12192000" cy="5225143"/>
-          </a:xfrm>
-          <a:prstGeom prst="rect">
-            <a:avLst/>
-          </a:prstGeom>
-        </p:spPr>
-      </p:pic>
-      <p:sp>
-        <p:nvSpPr>
-          <p:cNvPr id="2" name="Title 1">
-            <a:extLst>
-              <a:ext uri="{FF2B5EF4-FFF2-40B4-BE49-F238E27FC236}">
-                <a16:creationId xmlns:a16="http://schemas.microsoft.com/office/drawing/2014/main" id="{FE3AA27C-2309-465C-AC17-0449A19BEB0A}"/>
-              </a:ext>
-            </a:extLst>
-          </p:cNvPr>
-          <p:cNvSpPr>
-            <a:spLocks noGrp="1"/>
-          </p:cNvSpPr>
-          <p:nvPr>
-            <p:ph type="title"/>
-          </p:nvPr>
-        </p:nvSpPr>
-        <p:spPr/>
-        <p:txBody>
-          <a:bodyPr/>
-          <a:lstStyle/>
-          <a:p>
-            <a:r>
-              <a:rPr lang="en-US" dirty="0"/>
-              <a:t>Relationship between IBU and ABV</a:t>
-            </a:r>
-          </a:p>
-        </p:txBody>
-      </p:sp>
-      <p:sp>
-        <p:nvSpPr>
-          <p:cNvPr id="3" name="Content Placeholder 2">
-            <a:extLst>
-              <a:ext uri="{FF2B5EF4-FFF2-40B4-BE49-F238E27FC236}">
-                <a16:creationId xmlns:a16="http://schemas.microsoft.com/office/drawing/2014/main" id="{B7149D92-CF28-4737-A891-2F6520916C62}"/>
-              </a:ext>
-            </a:extLst>
-          </p:cNvPr>
-          <p:cNvSpPr>
-            <a:spLocks noGrp="1"/>
-          </p:cNvSpPr>
-          <p:nvPr>
-            <p:ph idx="1"/>
-          </p:nvPr>
-        </p:nvSpPr>
-        <p:spPr>
-          <a:xfrm>
-            <a:off x="838200" y="1592885"/>
-            <a:ext cx="5777089" cy="570451"/>
-          </a:xfrm>
-        </p:spPr>
-        <p:txBody>
-          <a:bodyPr/>
-          <a:lstStyle/>
-          <a:p>
-            <a:r>
-              <a:rPr lang="en-US" dirty="0"/>
-              <a:t>There is visual evidence of a positive relationship between the IBU and ABV of beer in the USA.</a:t>
-            </a:r>
-          </a:p>
-        </p:txBody>
-      </p:sp>
-      <p:sp>
-        <p:nvSpPr>
-          <p:cNvPr id="4" name="Footer Placeholder 3">
-            <a:extLst>
-              <a:ext uri="{FF2B5EF4-FFF2-40B4-BE49-F238E27FC236}">
-                <a16:creationId xmlns:a16="http://schemas.microsoft.com/office/drawing/2014/main" id="{553B68B8-49D7-4132-B44D-844CF6B009AF}"/>
-              </a:ext>
-            </a:extLst>
-          </p:cNvPr>
-          <p:cNvSpPr>
-            <a:spLocks noGrp="1"/>
-          </p:cNvSpPr>
-          <p:nvPr>
-            <p:ph type="ftr" sz="quarter" idx="11"/>
-          </p:nvPr>
-        </p:nvSpPr>
-        <p:spPr/>
-        <p:txBody>
-          <a:bodyPr/>
-          <a:lstStyle/>
-          <a:p>
-            <a:r>
-              <a:rPr lang="en-US"/>
-              <a:t>Ben Goodwin &amp; Justin Ehly, MS6306, Tuesday 630p</a:t>
-            </a:r>
-            <a:endParaRPr lang="en-US" dirty="0"/>
-          </a:p>
-        </p:txBody>
-      </p:sp>
-    </p:spTree>
-    <p:extLst>
-      <p:ext uri="{BB962C8B-B14F-4D97-AF65-F5344CB8AC3E}">
-        <p14:creationId xmlns:p14="http://schemas.microsoft.com/office/powerpoint/2010/main" val="3774118107"/>
       </p:ext>
     </p:extLst>
   </p:cSld>
@@ -16207,7 +15668,7 @@
           <a:p>
             <a:r>
               <a:rPr lang="en-US" sz="1900" dirty="0"/>
-              <a:t>Visually positive relationship between IBU vs  AVB across all beers</a:t>
+              <a:t>Visually positive relationship between IBU vs  ABV across all beers</a:t>
             </a:r>
           </a:p>
           <a:p>
@@ -16504,14 +15965,21 @@
             <p:ph type="title"/>
           </p:nvPr>
         </p:nvSpPr>
-        <p:spPr/>
+        <p:spPr>
+          <a:xfrm>
+            <a:off x="264994" y="980877"/>
+            <a:ext cx="10515600" cy="482163"/>
+          </a:xfrm>
+        </p:spPr>
         <p:txBody>
-          <a:bodyPr/>
+          <a:bodyPr>
+            <a:normAutofit/>
+          </a:bodyPr>
           <a:lstStyle/>
           <a:p>
             <a:r>
-              <a:rPr lang="en-US" dirty="0"/>
-              <a:t>States with highest ABV</a:t>
+              <a:rPr lang="en-US" sz="2000" dirty="0"/>
+              <a:t>State with Highest IBU</a:t>
             </a:r>
           </a:p>
         </p:txBody>
@@ -16534,29 +16002,31 @@
         </p:nvSpPr>
         <p:spPr>
           <a:xfrm>
-            <a:off x="1005840" y="1463040"/>
-            <a:ext cx="8595360" cy="640080"/>
+            <a:off x="1005839" y="1463040"/>
+            <a:ext cx="9134447" cy="640080"/>
           </a:xfrm>
         </p:spPr>
         <p:txBody>
-          <a:bodyPr/>
+          <a:bodyPr>
+            <a:normAutofit/>
+          </a:bodyPr>
           <a:lstStyle/>
           <a:p>
             <a:r>
-              <a:rPr lang="en-US" dirty="0"/>
-              <a:t>The Max observed ABV was 12.8 % in Colorado for Lee Hill Series Vol. 5 – Belgian Style </a:t>
+              <a:rPr lang="en-US" sz="1800" dirty="0"/>
+              <a:t>The Max observed IBU was 138 in Oregon for Bitter Bitch Imperial IPA that is an American Double/ Imperial IPA from the Astoria Brewing Company in </a:t>
             </a:r>
             <a:r>
-              <a:rPr lang="en-US" dirty="0" err="1"/>
-              <a:t>Quadrupel</a:t>
+              <a:rPr lang="en-US" sz="1800" dirty="0" err="1"/>
+              <a:t>Austoria</a:t>
             </a:r>
             <a:r>
-              <a:rPr lang="en-US" dirty="0"/>
-              <a:t> Ale from Upslope Brewing Company in Boulder, CO.</a:t>
+              <a:rPr lang="en-US" sz="1800" dirty="0"/>
+              <a:t>, OR.</a:t>
             </a:r>
           </a:p>
           <a:p>
-            <a:endParaRPr lang="en-US" dirty="0"/>
+            <a:endParaRPr lang="en-US" sz="1800" dirty="0"/>
           </a:p>
         </p:txBody>
       </p:sp>
@@ -16589,10 +16059,117 @@
           </a:p>
         </p:txBody>
       </p:sp>
+      <p:sp>
+        <p:nvSpPr>
+          <p:cNvPr id="6" name="Rectangle 5">
+            <a:extLst>
+              <a:ext uri="{FF2B5EF4-FFF2-40B4-BE49-F238E27FC236}">
+                <a16:creationId xmlns:a16="http://schemas.microsoft.com/office/drawing/2014/main" id="{C664061E-6175-4445-8025-E62A8E0B3B41}"/>
+              </a:ext>
+            </a:extLst>
+          </p:cNvPr>
+          <p:cNvSpPr/>
+          <p:nvPr/>
+        </p:nvSpPr>
+        <p:spPr>
+          <a:xfrm>
+            <a:off x="264994" y="2585283"/>
+            <a:ext cx="2400016" cy="369332"/>
+          </a:xfrm>
+          <a:prstGeom prst="rect">
+            <a:avLst/>
+          </a:prstGeom>
+        </p:spPr>
+        <p:txBody>
+          <a:bodyPr wrap="none">
+            <a:spAutoFit/>
+          </a:bodyPr>
+          <a:lstStyle/>
+          <a:p>
+            <a:r>
+              <a:rPr lang="en-US" dirty="0">
+                <a:solidFill>
+                  <a:srgbClr val="C8102E"/>
+                </a:solidFill>
+              </a:rPr>
+              <a:t>States with highest ABV</a:t>
+            </a:r>
+          </a:p>
+        </p:txBody>
+      </p:sp>
+      <p:sp>
+        <p:nvSpPr>
+          <p:cNvPr id="7" name="Rectangle 6">
+            <a:extLst>
+              <a:ext uri="{FF2B5EF4-FFF2-40B4-BE49-F238E27FC236}">
+                <a16:creationId xmlns:a16="http://schemas.microsoft.com/office/drawing/2014/main" id="{663874DC-8D6D-5844-BB8E-D2411EA51201}"/>
+              </a:ext>
+            </a:extLst>
+          </p:cNvPr>
+          <p:cNvSpPr/>
+          <p:nvPr/>
+        </p:nvSpPr>
+        <p:spPr>
+          <a:xfrm>
+            <a:off x="1005840" y="3225363"/>
+            <a:ext cx="9257276" cy="923330"/>
+          </a:xfrm>
+          <a:prstGeom prst="rect">
+            <a:avLst/>
+          </a:prstGeom>
+        </p:spPr>
+        <p:txBody>
+          <a:bodyPr wrap="square">
+            <a:spAutoFit/>
+          </a:bodyPr>
+          <a:lstStyle/>
+          <a:p>
+            <a:pPr marL="285750" indent="-285750">
+              <a:buFont typeface="Arial" panose="020B0604020202020204" pitchFamily="34" charset="0"/>
+              <a:buChar char="•"/>
+            </a:pPr>
+            <a:r>
+              <a:rPr lang="en-US" dirty="0">
+                <a:solidFill>
+                  <a:srgbClr val="C8102E"/>
+                </a:solidFill>
+              </a:rPr>
+              <a:t>The Max observed ABV was 12.8 % in Colorado for Lee Hill Series Vol. 5 – Belgian Style </a:t>
+            </a:r>
+            <a:r>
+              <a:rPr lang="en-US" dirty="0" err="1">
+                <a:solidFill>
+                  <a:srgbClr val="C8102E"/>
+                </a:solidFill>
+              </a:rPr>
+              <a:t>Quadrupel</a:t>
+            </a:r>
+            <a:r>
+              <a:rPr lang="en-US" dirty="0">
+                <a:solidFill>
+                  <a:srgbClr val="C8102E"/>
+                </a:solidFill>
+              </a:rPr>
+              <a:t> Ale from Upslope Brewing Company in Boulder, CO.</a:t>
+            </a:r>
+          </a:p>
+          <a:p>
+            <a:pPr marL="285750" indent="-285750">
+              <a:buFont typeface="Arial" panose="020B0604020202020204" pitchFamily="34" charset="0"/>
+              <a:buChar char="•"/>
+            </a:pPr>
+            <a:endParaRPr lang="en-US" dirty="0">
+              <a:solidFill>
+                <a:srgbClr val="C8102E"/>
+              </a:solidFill>
+            </a:endParaRPr>
+          </a:p>
+        </p:txBody>
+      </p:sp>
     </p:spTree>
     <p:extLst>
       <p:ext uri="{BB962C8B-B14F-4D97-AF65-F5344CB8AC3E}">
-        <p14:creationId xmlns:p14="http://schemas.microsoft.com/office/powerpoint/2010/main" val="2922054597"/>
+        <p14:creationId xmlns:p14="http://schemas.microsoft.com/office/powerpoint/2010/main" val="601634428"/>
       </p:ext>
     </p:extLst>
   </p:cSld>
